--- a/ClassMaterials/SETechniques/Slides/Part4-SETechniques-BookTrackerProblem.pptx
+++ b/ClassMaterials/SETechniques/Slides/Part4-SETechniques-BookTrackerProblem.pptx
@@ -5,10 +5,10 @@
     <p:sldMasterId id="2147483672" r:id="rId4"/>
   </p:sldMasterIdLst>
   <p:notesMasterIdLst>
-    <p:notesMasterId r:id="rId36"/>
+    <p:notesMasterId r:id="rId39"/>
   </p:notesMasterIdLst>
   <p:handoutMasterIdLst>
-    <p:handoutMasterId r:id="rId37"/>
+    <p:handoutMasterId r:id="rId40"/>
   </p:handoutMasterIdLst>
   <p:sldIdLst>
     <p:sldId id="372" r:id="rId5"/>
@@ -42,6 +42,9 @@
     <p:sldId id="395" r:id="rId33"/>
     <p:sldId id="396" r:id="rId34"/>
     <p:sldId id="397" r:id="rId35"/>
+    <p:sldId id="423" r:id="rId36"/>
+    <p:sldId id="422" r:id="rId37"/>
+    <p:sldId id="424" r:id="rId38"/>
   </p:sldIdLst>
   <p:sldSz cx="9144000" cy="6858000" type="screen4x3"/>
   <p:notesSz cx="6858000" cy="9144000"/>
@@ -175,10 +178,179 @@
 <file path=ppt/revisionInfo.xml><?xml version="1.0" encoding="utf-8"?>
 <p1510:revInfo xmlns:a="http://schemas.openxmlformats.org/drawingml/2006/main" xmlns:r="http://schemas.openxmlformats.org/officeDocument/2006/relationships" xmlns:p1510="http://schemas.microsoft.com/office/powerpoint/2015/10/main">
   <p1510:revLst>
-    <p1510:client id="{2183AC37-0855-4365-A52E-05EAB6640D34}" v="3" dt="2022-09-13T19:00:51.009"/>
-    <p1510:client id="{4D5F310C-1270-CB4D-9702-9C3D6797B123}" v="7" dt="2022-03-17T13:08:27.306"/>
+    <p1510:client id="{0742EA65-44C1-4588-B615-11928D134621}" v="5" dt="2023-11-21T16:29:52.055"/>
   </p1510:revLst>
 </p1510:revInfo>
+</file>
+
+<file path=ppt/changesInfos/changesInfo1.xml><?xml version="1.0" encoding="utf-8"?>
+<pc:chgInfo xmlns:a="http://schemas.openxmlformats.org/drawingml/2006/main" xmlns:r="http://schemas.openxmlformats.org/officeDocument/2006/relationships" xmlns:ac="http://schemas.microsoft.com/office/drawing/2013/main/command" xmlns:pc="http://schemas.microsoft.com/office/powerpoint/2013/main/command">
+  <pc:docChgLst>
+    <pc:chgData name="Yoder, Jason" userId="28f4d4d8-da04-4f86-b14d-a21675737bc5" providerId="ADAL" clId="{0742EA65-44C1-4588-B615-11928D134621}"/>
+    <pc:docChg chg="undo custSel addSld modSld">
+      <pc:chgData name="Yoder, Jason" userId="28f4d4d8-da04-4f86-b14d-a21675737bc5" providerId="ADAL" clId="{0742EA65-44C1-4588-B615-11928D134621}" dt="2023-11-21T16:33:51.954" v="1122" actId="20577"/>
+      <pc:docMkLst>
+        <pc:docMk/>
+      </pc:docMkLst>
+      <pc:sldChg chg="addSp modSp mod">
+        <pc:chgData name="Yoder, Jason" userId="28f4d4d8-da04-4f86-b14d-a21675737bc5" providerId="ADAL" clId="{0742EA65-44C1-4588-B615-11928D134621}" dt="2023-11-21T16:27:24.361" v="258" actId="1076"/>
+        <pc:sldMkLst>
+          <pc:docMk/>
+          <pc:sldMk cId="1215226270" sldId="393"/>
+        </pc:sldMkLst>
+        <pc:spChg chg="mod">
+          <ac:chgData name="Yoder, Jason" userId="28f4d4d8-da04-4f86-b14d-a21675737bc5" providerId="ADAL" clId="{0742EA65-44C1-4588-B615-11928D134621}" dt="2023-11-21T16:27:20.672" v="255" actId="20577"/>
+          <ac:spMkLst>
+            <pc:docMk/>
+            <pc:sldMk cId="1215226270" sldId="393"/>
+            <ac:spMk id="3" creationId="{21D05192-45A4-42B2-8658-26781BA64DD6}"/>
+          </ac:spMkLst>
+        </pc:spChg>
+        <pc:picChg chg="add mod">
+          <ac:chgData name="Yoder, Jason" userId="28f4d4d8-da04-4f86-b14d-a21675737bc5" providerId="ADAL" clId="{0742EA65-44C1-4588-B615-11928D134621}" dt="2023-11-21T16:27:24.361" v="258" actId="1076"/>
+          <ac:picMkLst>
+            <pc:docMk/>
+            <pc:sldMk cId="1215226270" sldId="393"/>
+            <ac:picMk id="8" creationId="{3020DD70-C1ED-919A-573C-43933A3F91F0}"/>
+          </ac:picMkLst>
+        </pc:picChg>
+      </pc:sldChg>
+      <pc:sldChg chg="addSp modSp add mod">
+        <pc:chgData name="Yoder, Jason" userId="28f4d4d8-da04-4f86-b14d-a21675737bc5" providerId="ADAL" clId="{0742EA65-44C1-4588-B615-11928D134621}" dt="2023-11-21T16:30:19.930" v="462" actId="14100"/>
+        <pc:sldMkLst>
+          <pc:docMk/>
+          <pc:sldMk cId="3996316336" sldId="422"/>
+        </pc:sldMkLst>
+        <pc:spChg chg="mod">
+          <ac:chgData name="Yoder, Jason" userId="28f4d4d8-da04-4f86-b14d-a21675737bc5" providerId="ADAL" clId="{0742EA65-44C1-4588-B615-11928D134621}" dt="2023-11-21T16:28:20.280" v="313" actId="403"/>
+          <ac:spMkLst>
+            <pc:docMk/>
+            <pc:sldMk cId="3996316336" sldId="422"/>
+            <ac:spMk id="2" creationId="{B1819317-74D8-4C3A-A7D6-A42680E57E70}"/>
+          </ac:spMkLst>
+        </pc:spChg>
+        <pc:spChg chg="mod">
+          <ac:chgData name="Yoder, Jason" userId="28f4d4d8-da04-4f86-b14d-a21675737bc5" providerId="ADAL" clId="{0742EA65-44C1-4588-B615-11928D134621}" dt="2023-11-21T16:28:28.592" v="314" actId="1076"/>
+          <ac:spMkLst>
+            <pc:docMk/>
+            <pc:sldMk cId="3996316336" sldId="422"/>
+            <ac:spMk id="3" creationId="{21D05192-45A4-42B2-8658-26781BA64DD6}"/>
+          </ac:spMkLst>
+        </pc:spChg>
+        <pc:spChg chg="add mod">
+          <ac:chgData name="Yoder, Jason" userId="28f4d4d8-da04-4f86-b14d-a21675737bc5" providerId="ADAL" clId="{0742EA65-44C1-4588-B615-11928D134621}" dt="2023-11-21T16:29:06.432" v="391" actId="1076"/>
+          <ac:spMkLst>
+            <pc:docMk/>
+            <pc:sldMk cId="3996316336" sldId="422"/>
+            <ac:spMk id="4" creationId="{A2EBE8AC-63E3-3911-77C6-AF30415A0CBE}"/>
+          </ac:spMkLst>
+        </pc:spChg>
+        <pc:spChg chg="add mod">
+          <ac:chgData name="Yoder, Jason" userId="28f4d4d8-da04-4f86-b14d-a21675737bc5" providerId="ADAL" clId="{0742EA65-44C1-4588-B615-11928D134621}" dt="2023-11-21T16:29:49.095" v="425" actId="1076"/>
+          <ac:spMkLst>
+            <pc:docMk/>
+            <pc:sldMk cId="3996316336" sldId="422"/>
+            <ac:spMk id="14" creationId="{376FDFF6-9C8B-FDBB-137B-1BB59C886F65}"/>
+          </ac:spMkLst>
+        </pc:spChg>
+        <pc:spChg chg="add mod">
+          <ac:chgData name="Yoder, Jason" userId="28f4d4d8-da04-4f86-b14d-a21675737bc5" providerId="ADAL" clId="{0742EA65-44C1-4588-B615-11928D134621}" dt="2023-11-21T16:30:19.930" v="462" actId="14100"/>
+          <ac:spMkLst>
+            <pc:docMk/>
+            <pc:sldMk cId="3996316336" sldId="422"/>
+            <ac:spMk id="15" creationId="{34F20A58-49A8-F7B1-FD62-B00B9448F85B}"/>
+          </ac:spMkLst>
+        </pc:spChg>
+        <pc:grpChg chg="mod">
+          <ac:chgData name="Yoder, Jason" userId="28f4d4d8-da04-4f86-b14d-a21675737bc5" providerId="ADAL" clId="{0742EA65-44C1-4588-B615-11928D134621}" dt="2023-11-21T16:28:28.592" v="314" actId="1076"/>
+          <ac:grpSpMkLst>
+            <pc:docMk/>
+            <pc:sldMk cId="3996316336" sldId="422"/>
+            <ac:grpSpMk id="12" creationId="{1D286AD0-3187-3E5B-473B-B8A775820A12}"/>
+          </ac:grpSpMkLst>
+        </pc:grpChg>
+        <pc:picChg chg="mod">
+          <ac:chgData name="Yoder, Jason" userId="28f4d4d8-da04-4f86-b14d-a21675737bc5" providerId="ADAL" clId="{0742EA65-44C1-4588-B615-11928D134621}" dt="2023-11-21T16:28:28.592" v="314" actId="1076"/>
+          <ac:picMkLst>
+            <pc:docMk/>
+            <pc:sldMk cId="3996316336" sldId="422"/>
+            <ac:picMk id="5" creationId="{7D4179C7-A4B5-4E8F-8CD3-B10ECA74599C}"/>
+          </ac:picMkLst>
+        </pc:picChg>
+        <pc:picChg chg="mod">
+          <ac:chgData name="Yoder, Jason" userId="28f4d4d8-da04-4f86-b14d-a21675737bc5" providerId="ADAL" clId="{0742EA65-44C1-4588-B615-11928D134621}" dt="2023-11-21T16:29:12.569" v="395" actId="1076"/>
+          <ac:picMkLst>
+            <pc:docMk/>
+            <pc:sldMk cId="3996316336" sldId="422"/>
+            <ac:picMk id="8" creationId="{3020DD70-C1ED-919A-573C-43933A3F91F0}"/>
+          </ac:picMkLst>
+        </pc:picChg>
+        <pc:picChg chg="add mod">
+          <ac:chgData name="Yoder, Jason" userId="28f4d4d8-da04-4f86-b14d-a21675737bc5" providerId="ADAL" clId="{0742EA65-44C1-4588-B615-11928D134621}" dt="2023-11-21T16:29:10.905" v="394" actId="14100"/>
+          <ac:picMkLst>
+            <pc:docMk/>
+            <pc:sldMk cId="3996316336" sldId="422"/>
+            <ac:picMk id="13" creationId="{5D4F31F5-6233-14B5-927B-B7BC02C14DC6}"/>
+          </ac:picMkLst>
+        </pc:picChg>
+      </pc:sldChg>
+      <pc:sldChg chg="modSp new mod modNotesTx">
+        <pc:chgData name="Yoder, Jason" userId="28f4d4d8-da04-4f86-b14d-a21675737bc5" providerId="ADAL" clId="{0742EA65-44C1-4588-B615-11928D134621}" dt="2023-11-21T16:33:51.954" v="1122" actId="20577"/>
+        <pc:sldMkLst>
+          <pc:docMk/>
+          <pc:sldMk cId="2716381340" sldId="423"/>
+        </pc:sldMkLst>
+        <pc:spChg chg="mod">
+          <ac:chgData name="Yoder, Jason" userId="28f4d4d8-da04-4f86-b14d-a21675737bc5" providerId="ADAL" clId="{0742EA65-44C1-4588-B615-11928D134621}" dt="2023-11-21T16:30:32.841" v="480" actId="20577"/>
+          <ac:spMkLst>
+            <pc:docMk/>
+            <pc:sldMk cId="2716381340" sldId="423"/>
+            <ac:spMk id="2" creationId="{D351602E-DC10-FEA7-7B5E-DB430CAF914E}"/>
+          </ac:spMkLst>
+        </pc:spChg>
+        <pc:spChg chg="mod">
+          <ac:chgData name="Yoder, Jason" userId="28f4d4d8-da04-4f86-b14d-a21675737bc5" providerId="ADAL" clId="{0742EA65-44C1-4588-B615-11928D134621}" dt="2023-11-21T16:32:11.975" v="920" actId="20577"/>
+          <ac:spMkLst>
+            <pc:docMk/>
+            <pc:sldMk cId="2716381340" sldId="423"/>
+            <ac:spMk id="3" creationId="{7D7D4E96-E5C1-DC96-DC7E-B828E088C67E}"/>
+          </ac:spMkLst>
+        </pc:spChg>
+      </pc:sldChg>
+      <pc:sldChg chg="addSp delSp modSp new mod">
+        <pc:chgData name="Yoder, Jason" userId="28f4d4d8-da04-4f86-b14d-a21675737bc5" providerId="ADAL" clId="{0742EA65-44C1-4588-B615-11928D134621}" dt="2023-11-21T16:33:14.376" v="967" actId="20577"/>
+        <pc:sldMkLst>
+          <pc:docMk/>
+          <pc:sldMk cId="3931428038" sldId="424"/>
+        </pc:sldMkLst>
+        <pc:spChg chg="mod">
+          <ac:chgData name="Yoder, Jason" userId="28f4d4d8-da04-4f86-b14d-a21675737bc5" providerId="ADAL" clId="{0742EA65-44C1-4588-B615-11928D134621}" dt="2023-11-21T16:33:14.376" v="967" actId="20577"/>
+          <ac:spMkLst>
+            <pc:docMk/>
+            <pc:sldMk cId="3931428038" sldId="424"/>
+            <ac:spMk id="2" creationId="{2FBF9447-079F-1C8A-F452-A0BA4E8D74D3}"/>
+          </ac:spMkLst>
+        </pc:spChg>
+        <pc:spChg chg="del">
+          <ac:chgData name="Yoder, Jason" userId="28f4d4d8-da04-4f86-b14d-a21675737bc5" providerId="ADAL" clId="{0742EA65-44C1-4588-B615-11928D134621}" dt="2023-11-21T16:32:58.404" v="924" actId="478"/>
+          <ac:spMkLst>
+            <pc:docMk/>
+            <pc:sldMk cId="3931428038" sldId="424"/>
+            <ac:spMk id="3" creationId="{C9A773E2-C568-C44D-56B9-A22450797EC4}"/>
+          </ac:spMkLst>
+        </pc:spChg>
+        <pc:picChg chg="add mod">
+          <ac:chgData name="Yoder, Jason" userId="28f4d4d8-da04-4f86-b14d-a21675737bc5" providerId="ADAL" clId="{0742EA65-44C1-4588-B615-11928D134621}" dt="2023-11-21T16:32:56.688" v="923" actId="1076"/>
+          <ac:picMkLst>
+            <pc:docMk/>
+            <pc:sldMk cId="3931428038" sldId="424"/>
+            <ac:picMk id="5" creationId="{5C81CE06-43C2-37B2-1EB2-BD93E8FCD826}"/>
+          </ac:picMkLst>
+        </pc:picChg>
+      </pc:sldChg>
+    </pc:docChg>
+  </pc:docChgLst>
+</pc:chgInfo>
 </file>
 
 <file path=ppt/handoutMasters/handoutMaster1.xml><?xml version="1.0" encoding="utf-8"?>
@@ -263,7 +435,7 @@
           <a:p>
             <a:fld id="{A470E182-4433-B944-AF35-723DFC7F8728}" type="datetimeFigureOut">
               <a:rPr lang="en-US" smtClean="0"/>
-              <a:t>12/5/2022</a:t>
+              <a:t>11/21/2023</a:t>
             </a:fld>
             <a:endParaRPr lang="en-US"/>
           </a:p>
@@ -1942,6 +2114,146 @@
 </inkml:ink>
 </file>
 
+<file path=ppt/ink/ink61.xml><?xml version="1.0" encoding="utf-8"?>
+<inkml:ink xmlns:inkml="http://www.w3.org/2003/InkML">
+  <inkml:definitions>
+    <inkml:context xml:id="ctx0">
+      <inkml:inkSource xml:id="inkSrc0">
+        <inkml:traceFormat>
+          <inkml:channel name="X" type="integer" min="-2.14748E9" max="2.14748E9" units="cm"/>
+          <inkml:channel name="Y" type="integer" min="-2.14748E9" max="2.14748E9" units="cm"/>
+          <inkml:channel name="F" type="integer" max="32767" units="dev"/>
+        </inkml:traceFormat>
+        <inkml:channelProperties>
+          <inkml:channelProperty channel="X" name="resolution" value="1000" units="1/cm"/>
+          <inkml:channelProperty channel="Y" name="resolution" value="1000" units="1/cm"/>
+          <inkml:channelProperty channel="F" name="resolution" value="0" units="1/dev"/>
+        </inkml:channelProperties>
+      </inkml:inkSource>
+      <inkml:timestamp xml:id="ts0" timeString="2022-11-22T19:06:28.720"/>
+    </inkml:context>
+    <inkml:brush xml:id="br0">
+      <inkml:brushProperty name="width" value="0.05" units="cm"/>
+      <inkml:brushProperty name="height" value="0.05" units="cm"/>
+      <inkml:brushProperty name="color" value="#E71224"/>
+    </inkml:brush>
+  </inkml:definitions>
+  <inkml:trace contextRef="#ctx0" brushRef="#br0">5 28 24575,'-1'-1'0,"1"1"0,0 0 0,-1 0 0,1-1 0,0 1 0,0 0 0,-1 0 0,1-1 0,0 1 0,0 0 0,0 0 0,0-1 0,-1 1 0,1 0 0,0-1 0,0 1 0,0 0 0,0-1 0,0 1 0,0 0 0,0-1 0,0 1 0,0 0 0,0-1 0,0 1 0,0 0 0,0-1 0,0 1 0,0 0 0,0-1 0,0 1 0,1 0 0,-1-1 0,0 1 0,0 0 0,0-1 0,0 1 0,1 0 0,-1 0 0,0-1 0,0 1 0,1 0 0,-1 0 0,0-1 0,0 1 0,1 0 0,-1 0 0,0 0 0,1 0 0,-1 0 0,0-1 0,1 1 0,-1 0 0,0 0 0,1 0 0,-1 0 0,0 0 0,1 0 0,0 0 0,27-4 0,-25 4 0,487-9 0,-304 11 0,7564-1-1365,-7722-1-5461</inkml:trace>
+</inkml:ink>
+</file>
+
+<file path=ppt/ink/ink62.xml><?xml version="1.0" encoding="utf-8"?>
+<inkml:ink xmlns:inkml="http://www.w3.org/2003/InkML">
+  <inkml:definitions>
+    <inkml:context xml:id="ctx0">
+      <inkml:inkSource xml:id="inkSrc0">
+        <inkml:traceFormat>
+          <inkml:channel name="X" type="integer" min="-2.14748E9" max="2.14748E9" units="cm"/>
+          <inkml:channel name="Y" type="integer" min="-2.14748E9" max="2.14748E9" units="cm"/>
+          <inkml:channel name="F" type="integer" max="32767" units="dev"/>
+        </inkml:traceFormat>
+        <inkml:channelProperties>
+          <inkml:channelProperty channel="X" name="resolution" value="1000" units="1/cm"/>
+          <inkml:channelProperty channel="Y" name="resolution" value="1000" units="1/cm"/>
+          <inkml:channelProperty channel="F" name="resolution" value="0" units="1/dev"/>
+        </inkml:channelProperties>
+      </inkml:inkSource>
+      <inkml:timestamp xml:id="ts0" timeString="2022-11-22T19:06:29.970"/>
+    </inkml:context>
+    <inkml:brush xml:id="br0">
+      <inkml:brushProperty name="width" value="0.05" units="cm"/>
+      <inkml:brushProperty name="height" value="0.05" units="cm"/>
+      <inkml:brushProperty name="color" value="#E71224"/>
+    </inkml:brush>
+  </inkml:definitions>
+  <inkml:trace contextRef="#ctx0" brushRef="#br0">1 0 24575,'902'0'-1365,"-882"0"-5461</inkml:trace>
+</inkml:ink>
+</file>
+
+<file path=ppt/ink/ink63.xml><?xml version="1.0" encoding="utf-8"?>
+<inkml:ink xmlns:inkml="http://www.w3.org/2003/InkML">
+  <inkml:definitions>
+    <inkml:context xml:id="ctx0">
+      <inkml:inkSource xml:id="inkSrc0">
+        <inkml:traceFormat>
+          <inkml:channel name="X" type="integer" min="-2.14748E9" max="2.14748E9" units="cm"/>
+          <inkml:channel name="Y" type="integer" min="-2.14748E9" max="2.14748E9" units="cm"/>
+          <inkml:channel name="F" type="integer" max="32767" units="dev"/>
+        </inkml:traceFormat>
+        <inkml:channelProperties>
+          <inkml:channelProperty channel="X" name="resolution" value="1000" units="1/cm"/>
+          <inkml:channelProperty channel="Y" name="resolution" value="1000" units="1/cm"/>
+          <inkml:channelProperty channel="F" name="resolution" value="0" units="1/dev"/>
+        </inkml:channelProperties>
+      </inkml:inkSource>
+      <inkml:timestamp xml:id="ts0" timeString="2022-11-22T19:06:32.302"/>
+    </inkml:context>
+    <inkml:brush xml:id="br0">
+      <inkml:brushProperty name="width" value="0.05" units="cm"/>
+      <inkml:brushProperty name="height" value="0.05" units="cm"/>
+      <inkml:brushProperty name="color" value="#E71224"/>
+    </inkml:brush>
+  </inkml:definitions>
+  <inkml:trace contextRef="#ctx0" brushRef="#br0">0 1 24575,'1'16'0,"1"1"0,1 0 0,0 0 0,1-1 0,1 0 0,0 1 0,1-2 0,1 1 0,0-1 0,1 0 0,1 0 0,0-1 0,1-1 0,17 19 0,16 14 0,3-3 0,76 58 0,-118-98 0,91 67 0,3-4 0,146 72 0,229 81 0,-216-104 0,743 282 0,-845-350 0,214 36 0,166-12 0,923 95 0,-806-90 0,-384-44 0,894 68 0,-658-110 0,-440 3 0,1-2 0,-1-3 0,-1-3 0,0-3 0,102-43 0,-59 10 0,115-75 0,-204 113 0,-2 0 0,1-1 0,-2-1 0,0 0 0,-1 0 0,21-33 0,15-18 0,-12 22 0,126-165 0,-155 195 0,-1 0 0,-1-1 0,9-28 0,12-26 0,-19 53 0,12-26 0,2 1 0,43-59 0,-63 97 0,24-37 0,-26 40 0,0-1 0,0 1 0,1-1 0,-1 1 0,0-1 0,0 1 0,0-1 0,0 0 0,0 1 0,0-1 0,0 1 0,0-1 0,0 1 0,0-1 0,0 0 0,0 1 0,-1-1 0,1 1 0,0-1 0,0 1 0,-1-1 0,1 1 0,0-1 0,-1 0 0,0 0 0,-1 0 0,1 1 0,0-1 0,0 1 0,0-1 0,-1 1 0,1 0 0,0 0 0,-1-1 0,1 1 0,0 0 0,-1 0 0,1 0 0,0 0 0,-1 0 0,0 1 0,-50 7 0,1 2 0,-97 33 0,-8 2 0,128-37 0,20-5 0,19-3 0,102-14 0,160-40 0,-266 52 0,0 0 0,0 1 0,0 0 0,0 1 0,0-1 0,0 1 0,0 1 0,0-1 0,0 1 0,0 1 0,0-1 0,0 1 0,0 0 0,-1 1 0,1-1 0,-1 1 0,0 1 0,0-1 0,0 1 0,0 0 0,0 0 0,-1 1 0,0 0 0,0 0 0,0 0 0,0 0 0,-1 1 0,0 0 0,4 8 0,27 49 0,-3 2 0,-2 1 0,28 97 0,-55-154 0,88 234 0,-70-192-1365,-4-7-5461</inkml:trace>
+</inkml:ink>
+</file>
+
+<file path=ppt/ink/ink64.xml><?xml version="1.0" encoding="utf-8"?>
+<inkml:ink xmlns:inkml="http://www.w3.org/2003/InkML">
+  <inkml:definitions>
+    <inkml:context xml:id="ctx0">
+      <inkml:inkSource xml:id="inkSrc0">
+        <inkml:traceFormat>
+          <inkml:channel name="X" type="integer" min="-2.14748E9" max="2.14748E9" units="cm"/>
+          <inkml:channel name="Y" type="integer" min="-2.14748E9" max="2.14748E9" units="cm"/>
+          <inkml:channel name="F" type="integer" max="32767" units="dev"/>
+        </inkml:traceFormat>
+        <inkml:channelProperties>
+          <inkml:channelProperty channel="X" name="resolution" value="1000" units="1/cm"/>
+          <inkml:channelProperty channel="Y" name="resolution" value="1000" units="1/cm"/>
+          <inkml:channelProperty channel="F" name="resolution" value="0" units="1/dev"/>
+        </inkml:channelProperties>
+      </inkml:inkSource>
+      <inkml:timestamp xml:id="ts0" timeString="2022-11-22T19:06:33.301"/>
+    </inkml:context>
+    <inkml:brush xml:id="br0">
+      <inkml:brushProperty name="width" value="0.05" units="cm"/>
+      <inkml:brushProperty name="height" value="0.05" units="cm"/>
+      <inkml:brushProperty name="color" value="#E71224"/>
+    </inkml:brush>
+  </inkml:definitions>
+  <inkml:trace contextRef="#ctx0" brushRef="#br0">1 404 24575,'0'1'0,"-1"0"0,1 0 0,0-1 0,0 1 0,0 0 0,0 0 0,1-1 0,-1 1 0,0 0 0,0 0 0,0-1 0,1 1 0,-1 0 0,0-1 0,0 1 0,1 0 0,-1-1 0,1 1 0,-1 0 0,1-1 0,-1 1 0,1-1 0,-1 1 0,1-1 0,-1 1 0,1-1 0,0 1 0,1 0 0,21-5 0,27-27 0,-46 28 0,26-19 0,252-173 0,-233 166 0,1 2 0,1 1 0,1 4 0,55-17 0,-87 32 0,1 2 0,0 1 0,0 0 0,0 1 0,37 1 0,-50 2 0,0 1 0,0 0 0,-1 0 0,1 1 0,0 0 0,-1 0 0,1 1 0,-1 0 0,0 0 0,0 1 0,0 0 0,0 0 0,-1 0 0,0 1 0,0 0 0,0 1 0,0-1 0,7 10 0,5 13 0,-1 1 0,-2 1 0,-1 0 0,-1 1 0,-1 1 0,13 58 0,-22-75 0,-1-1 0,0 1 0,-1 0 0,0-1 0,-1 1 0,-1 0 0,0 0 0,-1-1 0,-6 22 0,2-15 0,-1 0 0,-2 0 0,0-1 0,0-1 0,-23 33 0,2-12 0,-2-2 0,-1-1 0,-2-2 0,-76 59 0,36-39 0,41-31 0,0 1 0,-36 37 0,60-52 0,1 1 0,0 0 0,0 1 0,1 0 0,0 0 0,1 1 0,1-1 0,0 2 0,1-1 0,-6 20 0,4 3 14,1 0-1,2 0 0,1 1 0,2-1 1,2 1-1,1-1 0,2 1 1,8 38-1,-2-31-225,2-1 0,2 0 0,2-1-1,1 0 1,2-2 0,29 46 0,-27-55-6614</inkml:trace>
+</inkml:ink>
+</file>
+
+<file path=ppt/ink/ink65.xml><?xml version="1.0" encoding="utf-8"?>
+<inkml:ink xmlns:inkml="http://www.w3.org/2003/InkML">
+  <inkml:definitions>
+    <inkml:context xml:id="ctx0">
+      <inkml:inkSource xml:id="inkSrc0">
+        <inkml:traceFormat>
+          <inkml:channel name="X" type="integer" min="-2.14748E9" max="2.14748E9" units="cm"/>
+          <inkml:channel name="Y" type="integer" min="-2.14748E9" max="2.14748E9" units="cm"/>
+          <inkml:channel name="F" type="integer" max="32767" units="dev"/>
+        </inkml:traceFormat>
+        <inkml:channelProperties>
+          <inkml:channelProperty channel="X" name="resolution" value="1000" units="1/cm"/>
+          <inkml:channelProperty channel="Y" name="resolution" value="1000" units="1/cm"/>
+          <inkml:channelProperty channel="F" name="resolution" value="0" units="1/dev"/>
+        </inkml:channelProperties>
+      </inkml:inkSource>
+      <inkml:timestamp xml:id="ts0" timeString="2022-11-22T19:06:34.048"/>
+    </inkml:context>
+    <inkml:brush xml:id="br0">
+      <inkml:brushProperty name="width" value="0.05" units="cm"/>
+      <inkml:brushProperty name="height" value="0.05" units="cm"/>
+      <inkml:brushProperty name="color" value="#E71224"/>
+    </inkml:brush>
+  </inkml:definitions>
+  <inkml:trace contextRef="#ctx0" brushRef="#br0">143 82 24575,'0'-8'0,"-8"-8"0,-3-4 0,-4 0 0,-3 8 0,-4 7 0,-1 7 0,3 9 0,5-3 0,4-2-8191</inkml:trace>
+</inkml:ink>
+</file>
+
 <file path=ppt/ink/ink7.xml><?xml version="1.0" encoding="utf-8"?>
 <inkml:ink xmlns:inkml="http://www.w3.org/2003/InkML">
   <inkml:definitions>
@@ -2108,7 +2420,7 @@
           <a:p>
             <a:fld id="{C12EF212-CCF8-3B4F-9C5F-A87F03513D57}" type="datetimeFigureOut">
               <a:rPr lang="en-US" smtClean="0"/>
-              <a:t>12/5/2022</a:t>
+              <a:t>11/21/2023</a:t>
             </a:fld>
             <a:endParaRPr lang="en-US"/>
           </a:p>
@@ -3365,6 +3677,188 @@
 </p:notes>
 </file>
 
+<file path=ppt/notesSlides/notesSlide8.xml><?xml version="1.0" encoding="utf-8"?>
+<p:notes xmlns:a="http://schemas.openxmlformats.org/drawingml/2006/main" xmlns:r="http://schemas.openxmlformats.org/officeDocument/2006/relationships" xmlns:p="http://schemas.openxmlformats.org/presentationml/2006/main">
+  <p:cSld>
+    <p:spTree>
+      <p:nvGrpSpPr>
+        <p:cNvPr id="1" name=""/>
+        <p:cNvGrpSpPr/>
+        <p:nvPr/>
+      </p:nvGrpSpPr>
+      <p:grpSpPr>
+        <a:xfrm>
+          <a:off x="0" y="0"/>
+          <a:ext cx="0" cy="0"/>
+          <a:chOff x="0" y="0"/>
+          <a:chExt cx="0" cy="0"/>
+        </a:xfrm>
+      </p:grpSpPr>
+      <p:sp>
+        <p:nvSpPr>
+          <p:cNvPr id="2" name="Slide Image Placeholder 1"/>
+          <p:cNvSpPr>
+            <a:spLocks noGrp="1" noRot="1" noChangeAspect="1"/>
+          </p:cNvSpPr>
+          <p:nvPr>
+            <p:ph type="sldImg"/>
+          </p:nvPr>
+        </p:nvSpPr>
+        <p:spPr/>
+      </p:sp>
+      <p:sp>
+        <p:nvSpPr>
+          <p:cNvPr id="3" name="Notes Placeholder 2"/>
+          <p:cNvSpPr>
+            <a:spLocks noGrp="1"/>
+          </p:cNvSpPr>
+          <p:nvPr>
+            <p:ph type="body" idx="1"/>
+          </p:nvPr>
+        </p:nvSpPr>
+        <p:spPr/>
+        <p:txBody>
+          <a:bodyPr/>
+          <a:lstStyle/>
+          <a:p>
+            <a:r>
+              <a:rPr lang="en-US" dirty="0"/>
+              <a:t>There is likely not enough time to complete this during the class time, </a:t>
+            </a:r>
+          </a:p>
+          <a:p>
+            <a:r>
+              <a:rPr lang="en-US" dirty="0"/>
+              <a:t>but this is a great exercise for students to complete outside </a:t>
+            </a:r>
+            <a:r>
+              <a:rPr lang="en-US"/>
+              <a:t>of class</a:t>
+            </a:r>
+            <a:endParaRPr lang="en-US" dirty="0"/>
+          </a:p>
+        </p:txBody>
+      </p:sp>
+      <p:sp>
+        <p:nvSpPr>
+          <p:cNvPr id="4" name="Slide Number Placeholder 3"/>
+          <p:cNvSpPr>
+            <a:spLocks noGrp="1"/>
+          </p:cNvSpPr>
+          <p:nvPr>
+            <p:ph type="sldNum" sz="quarter" idx="5"/>
+          </p:nvPr>
+        </p:nvSpPr>
+        <p:spPr/>
+        <p:txBody>
+          <a:bodyPr/>
+          <a:lstStyle/>
+          <a:p>
+            <a:fld id="{1EC41D83-A85E-494A-A425-5657A5A18AE9}" type="slidenum">
+              <a:rPr lang="en-US" smtClean="0"/>
+              <a:t>32</a:t>
+            </a:fld>
+            <a:endParaRPr lang="en-US"/>
+          </a:p>
+        </p:txBody>
+      </p:sp>
+    </p:spTree>
+    <p:extLst>
+      <p:ext uri="{BB962C8B-B14F-4D97-AF65-F5344CB8AC3E}">
+        <p14:creationId xmlns:p14="http://schemas.microsoft.com/office/powerpoint/2010/main" val="873735827"/>
+      </p:ext>
+    </p:extLst>
+  </p:cSld>
+  <p:clrMapOvr>
+    <a:masterClrMapping/>
+  </p:clrMapOvr>
+</p:notes>
+</file>
+
+<file path=ppt/notesSlides/notesSlide9.xml><?xml version="1.0" encoding="utf-8"?>
+<p:notes xmlns:a="http://schemas.openxmlformats.org/drawingml/2006/main" xmlns:r="http://schemas.openxmlformats.org/officeDocument/2006/relationships" xmlns:p="http://schemas.openxmlformats.org/presentationml/2006/main">
+  <p:cSld>
+    <p:spTree>
+      <p:nvGrpSpPr>
+        <p:cNvPr id="1" name=""/>
+        <p:cNvGrpSpPr/>
+        <p:nvPr/>
+      </p:nvGrpSpPr>
+      <p:grpSpPr>
+        <a:xfrm>
+          <a:off x="0" y="0"/>
+          <a:ext cx="0" cy="0"/>
+          <a:chOff x="0" y="0"/>
+          <a:chExt cx="0" cy="0"/>
+        </a:xfrm>
+      </p:grpSpPr>
+      <p:sp>
+        <p:nvSpPr>
+          <p:cNvPr id="2" name="Slide Image Placeholder 1"/>
+          <p:cNvSpPr>
+            <a:spLocks noGrp="1" noRot="1" noChangeAspect="1"/>
+          </p:cNvSpPr>
+          <p:nvPr>
+            <p:ph type="sldImg"/>
+          </p:nvPr>
+        </p:nvSpPr>
+        <p:spPr/>
+      </p:sp>
+      <p:sp>
+        <p:nvSpPr>
+          <p:cNvPr id="3" name="Notes Placeholder 2"/>
+          <p:cNvSpPr>
+            <a:spLocks noGrp="1"/>
+          </p:cNvSpPr>
+          <p:nvPr>
+            <p:ph type="body" idx="1"/>
+          </p:nvPr>
+        </p:nvSpPr>
+        <p:spPr/>
+        <p:txBody>
+          <a:bodyPr/>
+          <a:lstStyle/>
+          <a:p>
+            <a:endParaRPr lang="en-US" dirty="0"/>
+          </a:p>
+        </p:txBody>
+      </p:sp>
+      <p:sp>
+        <p:nvSpPr>
+          <p:cNvPr id="4" name="Slide Number Placeholder 3"/>
+          <p:cNvSpPr>
+            <a:spLocks noGrp="1"/>
+          </p:cNvSpPr>
+          <p:nvPr>
+            <p:ph type="sldNum" sz="quarter" idx="10"/>
+          </p:nvPr>
+        </p:nvSpPr>
+        <p:spPr/>
+        <p:txBody>
+          <a:bodyPr/>
+          <a:lstStyle/>
+          <a:p>
+            <a:fld id="{1EC41D83-A85E-494A-A425-5657A5A18AE9}" type="slidenum">
+              <a:rPr lang="en-US" smtClean="0"/>
+              <a:t>33</a:t>
+            </a:fld>
+            <a:endParaRPr lang="en-US"/>
+          </a:p>
+        </p:txBody>
+      </p:sp>
+    </p:spTree>
+    <p:extLst>
+      <p:ext uri="{BB962C8B-B14F-4D97-AF65-F5344CB8AC3E}">
+        <p14:creationId xmlns:p14="http://schemas.microsoft.com/office/powerpoint/2010/main" val="224946859"/>
+      </p:ext>
+    </p:extLst>
+  </p:cSld>
+  <p:clrMapOvr>
+    <a:masterClrMapping/>
+  </p:clrMapOvr>
+</p:notes>
+</file>
+
 <file path=ppt/slideLayouts/slideLayout1.xml><?xml version="1.0" encoding="utf-8"?>
 <p:sldLayout xmlns:a="http://schemas.openxmlformats.org/drawingml/2006/main" xmlns:r="http://schemas.openxmlformats.org/officeDocument/2006/relationships" xmlns:p="http://schemas.openxmlformats.org/presentationml/2006/main" type="title" preserve="1">
   <p:cSld name="Title Slide">
@@ -3500,7 +3994,7 @@
               <a:pPr>
                 <a:defRPr/>
               </a:pPr>
-              <a:t>Monday, December 5, 2022</a:t>
+              <a:t>Tuesday, November 21, 2023</a:t>
             </a:fld>
             <a:endParaRPr lang="en-US"/>
           </a:p>
@@ -3693,7 +4187,7 @@
               <a:pPr>
                 <a:defRPr/>
               </a:pPr>
-              <a:t>Monday, December 5, 2022</a:t>
+              <a:t>Tuesday, November 21, 2023</a:t>
             </a:fld>
             <a:endParaRPr lang="en-US">
               <a:solidFill>
@@ -3906,7 +4400,7 @@
               <a:pPr>
                 <a:defRPr/>
               </a:pPr>
-              <a:t>Monday, December 5, 2022</a:t>
+              <a:t>Tuesday, November 21, 2023</a:t>
             </a:fld>
             <a:endParaRPr lang="en-US">
               <a:solidFill>
@@ -4109,7 +4603,7 @@
               <a:pPr>
                 <a:defRPr/>
               </a:pPr>
-              <a:t>Monday, December 5, 2022</a:t>
+              <a:t>Tuesday, November 21, 2023</a:t>
             </a:fld>
             <a:endParaRPr lang="en-US">
               <a:solidFill>
@@ -4389,7 +4883,7 @@
               <a:pPr>
                 <a:defRPr/>
               </a:pPr>
-              <a:t>Monday, December 5, 2022</a:t>
+              <a:t>Tuesday, November 21, 2023</a:t>
             </a:fld>
             <a:endParaRPr lang="en-US">
               <a:solidFill>
@@ -4653,7 +5147,7 @@
               <a:pPr>
                 <a:defRPr/>
               </a:pPr>
-              <a:t>Monday, December 5, 2022</a:t>
+              <a:t>Tuesday, November 21, 2023</a:t>
             </a:fld>
             <a:endParaRPr lang="en-US">
               <a:solidFill>
@@ -5052,7 +5546,7 @@
               <a:pPr>
                 <a:defRPr/>
               </a:pPr>
-              <a:t>Monday, December 5, 2022</a:t>
+              <a:t>Tuesday, November 21, 2023</a:t>
             </a:fld>
             <a:endParaRPr lang="en-US">
               <a:solidFill>
@@ -5204,7 +5698,7 @@
               <a:pPr>
                 <a:defRPr/>
               </a:pPr>
-              <a:t>Monday, December 5, 2022</a:t>
+              <a:t>Tuesday, November 21, 2023</a:t>
             </a:fld>
             <a:endParaRPr lang="en-US">
               <a:solidFill>
@@ -5334,7 +5828,7 @@
               <a:pPr>
                 <a:defRPr/>
               </a:pPr>
-              <a:t>Monday, December 5, 2022</a:t>
+              <a:t>Tuesday, November 21, 2023</a:t>
             </a:fld>
             <a:endParaRPr lang="en-US">
               <a:solidFill>
@@ -5644,7 +6138,7 @@
               <a:pPr>
                 <a:defRPr/>
               </a:pPr>
-              <a:t>Monday, December 5, 2022</a:t>
+              <a:t>Tuesday, November 21, 2023</a:t>
             </a:fld>
             <a:endParaRPr lang="en-US">
               <a:solidFill>
@@ -5931,7 +6425,7 @@
               <a:pPr>
                 <a:defRPr/>
               </a:pPr>
-              <a:t>Monday, December 5, 2022</a:t>
+              <a:t>Tuesday, November 21, 2023</a:t>
             </a:fld>
             <a:endParaRPr lang="en-US">
               <a:solidFill>
@@ -6191,7 +6685,7 @@
                 </a:spcAft>
                 <a:defRPr/>
               </a:pPr>
-              <a:t>Monday, December 5, 2022</a:t>
+              <a:t>Tuesday, November 21, 2023</a:t>
             </a:fld>
             <a:endParaRPr lang="en-US">
               <a:solidFill>
@@ -17446,11 +17940,73 @@
               <a:buNone/>
             </a:pPr>
             <a:r>
-              <a:rPr lang="en-US">
+              <a:rPr lang="en-US" dirty="0">
                 <a:cs typeface="Calibri"/>
               </a:rPr>
               <a:t>This design does not function.  There is no (sane) way to look up a book for printing a report or for associating with a Kid.</a:t>
             </a:r>
+          </a:p>
+          <a:p>
+            <a:pPr marL="0" indent="0">
+              <a:buNone/>
+            </a:pPr>
+            <a:endParaRPr lang="en-US" dirty="0">
+              <a:cs typeface="Calibri"/>
+            </a:endParaRPr>
+          </a:p>
+          <a:p>
+            <a:pPr marL="0" indent="0">
+              <a:buNone/>
+            </a:pPr>
+            <a:endParaRPr lang="en-US" dirty="0">
+              <a:cs typeface="Calibri"/>
+            </a:endParaRPr>
+          </a:p>
+          <a:p>
+            <a:pPr marL="0" indent="0">
+              <a:buNone/>
+            </a:pPr>
+            <a:endParaRPr lang="en-US" dirty="0">
+              <a:cs typeface="Calibri"/>
+            </a:endParaRPr>
+          </a:p>
+          <a:p>
+            <a:pPr marL="0" indent="0">
+              <a:buNone/>
+            </a:pPr>
+            <a:endParaRPr lang="en-US" dirty="0">
+              <a:cs typeface="Calibri"/>
+            </a:endParaRPr>
+          </a:p>
+          <a:p>
+            <a:pPr marL="0" indent="0">
+              <a:buNone/>
+            </a:pPr>
+            <a:r>
+              <a:rPr lang="en-US" dirty="0">
+                <a:cs typeface="Calibri"/>
+              </a:rPr>
+              <a:t>See the code here for this POOR design!</a:t>
+            </a:r>
+          </a:p>
+          <a:p>
+            <a:pPr marL="0" indent="0">
+              <a:buNone/>
+            </a:pPr>
+            <a:r>
+              <a:rPr lang="en-US" dirty="0">
+                <a:cs typeface="Calibri"/>
+              </a:rPr>
+              <a:t>Warning it is buggy and the code is UGLY!</a:t>
+            </a:r>
+          </a:p>
+          <a:p>
+            <a:pPr marL="0" indent="0">
+              <a:buNone/>
+            </a:pPr>
+            <a:endParaRPr lang="en-US" dirty="0">
+              <a:cs typeface="Calibri"/>
+            </a:endParaRPr>
           </a:p>
         </p:txBody>
       </p:sp>
@@ -17760,6 +18316,36 @@
           </mc:Fallback>
         </mc:AlternateContent>
       </p:grpSp>
+      <p:pic>
+        <p:nvPicPr>
+          <p:cNvPr id="8" name="Picture 7">
+            <a:extLst>
+              <a:ext uri="{FF2B5EF4-FFF2-40B4-BE49-F238E27FC236}">
+                <a16:creationId xmlns:a16="http://schemas.microsoft.com/office/drawing/2014/main" id="{3020DD70-C1ED-919A-573C-43933A3F91F0}"/>
+              </a:ext>
+            </a:extLst>
+          </p:cNvPr>
+          <p:cNvPicPr>
+            <a:picLocks noChangeAspect="1"/>
+          </p:cNvPicPr>
+          <p:nvPr/>
+        </p:nvPicPr>
+        <p:blipFill>
+          <a:blip r:embed="rId14"/>
+          <a:stretch>
+            <a:fillRect/>
+          </a:stretch>
+        </p:blipFill>
+        <p:spPr>
+          <a:xfrm>
+            <a:off x="5070677" y="4237535"/>
+            <a:ext cx="4030588" cy="1868406"/>
+          </a:xfrm>
+          <a:prstGeom prst="rect">
+            <a:avLst/>
+          </a:prstGeom>
+        </p:spPr>
+      </p:pic>
     </p:spTree>
     <p:extLst>
       <p:ext uri="{BB962C8B-B14F-4D97-AF65-F5344CB8AC3E}">
@@ -19715,6 +20301,1115 @@
     <p:extLst>
       <p:ext uri="{BB962C8B-B14F-4D97-AF65-F5344CB8AC3E}">
         <p14:creationId xmlns:p14="http://schemas.microsoft.com/office/powerpoint/2010/main" val="3980948482"/>
+      </p:ext>
+    </p:extLst>
+  </p:cSld>
+  <p:clrMapOvr>
+    <a:masterClrMapping/>
+  </p:clrMapOvr>
+</p:sld>
+</file>
+
+<file path=ppt/slides/slide32.xml><?xml version="1.0" encoding="utf-8"?>
+<p:sld xmlns:a="http://schemas.openxmlformats.org/drawingml/2006/main" xmlns:r="http://schemas.openxmlformats.org/officeDocument/2006/relationships" xmlns:p="http://schemas.openxmlformats.org/presentationml/2006/main">
+  <p:cSld>
+    <p:spTree>
+      <p:nvGrpSpPr>
+        <p:cNvPr id="1" name=""/>
+        <p:cNvGrpSpPr/>
+        <p:nvPr/>
+      </p:nvGrpSpPr>
+      <p:grpSpPr>
+        <a:xfrm>
+          <a:off x="0" y="0"/>
+          <a:ext cx="0" cy="0"/>
+          <a:chOff x="0" y="0"/>
+          <a:chExt cx="0" cy="0"/>
+        </a:xfrm>
+      </p:grpSpPr>
+      <p:sp>
+        <p:nvSpPr>
+          <p:cNvPr id="2" name="Title 1">
+            <a:extLst>
+              <a:ext uri="{FF2B5EF4-FFF2-40B4-BE49-F238E27FC236}">
+                <a16:creationId xmlns:a16="http://schemas.microsoft.com/office/drawing/2014/main" id="{D351602E-DC10-FEA7-7B5E-DB430CAF914E}"/>
+              </a:ext>
+            </a:extLst>
+          </p:cNvPr>
+          <p:cNvSpPr>
+            <a:spLocks noGrp="1"/>
+          </p:cNvSpPr>
+          <p:nvPr>
+            <p:ph type="title"/>
+          </p:nvPr>
+        </p:nvSpPr>
+        <p:spPr/>
+        <p:txBody>
+          <a:bodyPr/>
+          <a:lstStyle/>
+          <a:p>
+            <a:r>
+              <a:rPr lang="en-US" dirty="0"/>
+              <a:t>As times allows</a:t>
+            </a:r>
+          </a:p>
+        </p:txBody>
+      </p:sp>
+      <p:sp>
+        <p:nvSpPr>
+          <p:cNvPr id="3" name="Content Placeholder 2">
+            <a:extLst>
+              <a:ext uri="{FF2B5EF4-FFF2-40B4-BE49-F238E27FC236}">
+                <a16:creationId xmlns:a16="http://schemas.microsoft.com/office/drawing/2014/main" id="{7D7D4E96-E5C1-DC96-DC7E-B828E088C67E}"/>
+              </a:ext>
+            </a:extLst>
+          </p:cNvPr>
+          <p:cNvSpPr>
+            <a:spLocks noGrp="1"/>
+          </p:cNvSpPr>
+          <p:nvPr>
+            <p:ph idx="1"/>
+          </p:nvPr>
+        </p:nvSpPr>
+        <p:spPr/>
+        <p:txBody>
+          <a:bodyPr>
+            <a:normAutofit/>
+          </a:bodyPr>
+          <a:lstStyle/>
+          <a:p>
+            <a:r>
+              <a:rPr lang="en-US" sz="2800" dirty="0"/>
+              <a:t>If there is enough time during class you can work through an example of Refactoring</a:t>
+            </a:r>
+          </a:p>
+          <a:p>
+            <a:r>
+              <a:rPr lang="en-US" sz="2800" dirty="0"/>
+              <a:t>This is a great way to see ugly code and the improvements that come with an improve design</a:t>
+            </a:r>
+          </a:p>
+          <a:p>
+            <a:r>
+              <a:rPr lang="en-US" sz="2800" dirty="0"/>
+              <a:t>The solution will be:</a:t>
+            </a:r>
+          </a:p>
+          <a:p>
+            <a:pPr lvl="1"/>
+            <a:r>
+              <a:rPr lang="en-US" sz="2400" dirty="0"/>
+              <a:t>More efficient</a:t>
+            </a:r>
+          </a:p>
+          <a:p>
+            <a:pPr lvl="1"/>
+            <a:r>
+              <a:rPr lang="en-US" sz="2400" dirty="0"/>
+              <a:t>Fewer lines of code</a:t>
+            </a:r>
+          </a:p>
+          <a:p>
+            <a:pPr lvl="1"/>
+            <a:r>
+              <a:rPr lang="en-US" sz="2400" dirty="0"/>
+              <a:t>Easier to understand</a:t>
+            </a:r>
+          </a:p>
+          <a:p>
+            <a:pPr lvl="1"/>
+            <a:r>
+              <a:rPr lang="en-US" sz="2400" dirty="0"/>
+              <a:t>Easier to re-use or extend</a:t>
+            </a:r>
+          </a:p>
+          <a:p>
+            <a:pPr lvl="1"/>
+            <a:r>
+              <a:rPr lang="en-US" sz="2400" dirty="0"/>
+              <a:t>Offer improved functionality (existing code has bugs)</a:t>
+            </a:r>
+          </a:p>
+        </p:txBody>
+      </p:sp>
+    </p:spTree>
+    <p:extLst>
+      <p:ext uri="{BB962C8B-B14F-4D97-AF65-F5344CB8AC3E}">
+        <p14:creationId xmlns:p14="http://schemas.microsoft.com/office/powerpoint/2010/main" val="2716381340"/>
+      </p:ext>
+    </p:extLst>
+  </p:cSld>
+  <p:clrMapOvr>
+    <a:masterClrMapping/>
+  </p:clrMapOvr>
+</p:sld>
+</file>
+
+<file path=ppt/slides/slide33.xml><?xml version="1.0" encoding="utf-8"?>
+<p:sld xmlns:a="http://schemas.openxmlformats.org/drawingml/2006/main" xmlns:r="http://schemas.openxmlformats.org/officeDocument/2006/relationships" xmlns:p="http://schemas.openxmlformats.org/presentationml/2006/main">
+  <p:cSld>
+    <p:spTree>
+      <p:nvGrpSpPr>
+        <p:cNvPr id="1" name=""/>
+        <p:cNvGrpSpPr/>
+        <p:nvPr/>
+      </p:nvGrpSpPr>
+      <p:grpSpPr>
+        <a:xfrm>
+          <a:off x="0" y="0"/>
+          <a:ext cx="0" cy="0"/>
+          <a:chOff x="0" y="0"/>
+          <a:chExt cx="0" cy="0"/>
+        </a:xfrm>
+      </p:grpSpPr>
+      <p:sp>
+        <p:nvSpPr>
+          <p:cNvPr id="2" name="Title 1">
+            <a:extLst>
+              <a:ext uri="{FF2B5EF4-FFF2-40B4-BE49-F238E27FC236}">
+                <a16:creationId xmlns:a16="http://schemas.microsoft.com/office/drawing/2014/main" id="{B1819317-74D8-4C3A-A7D6-A42680E57E70}"/>
+              </a:ext>
+            </a:extLst>
+          </p:cNvPr>
+          <p:cNvSpPr>
+            <a:spLocks noGrp="1"/>
+          </p:cNvSpPr>
+          <p:nvPr>
+            <p:ph type="title"/>
+          </p:nvPr>
+        </p:nvSpPr>
+        <p:spPr>
+          <a:xfrm>
+            <a:off x="628649" y="10379"/>
+            <a:ext cx="7886700" cy="1325563"/>
+          </a:xfrm>
+        </p:spPr>
+        <p:txBody>
+          <a:bodyPr>
+            <a:normAutofit/>
+          </a:bodyPr>
+          <a:lstStyle/>
+          <a:p>
+            <a:r>
+              <a:rPr lang="en-US" sz="4000" dirty="0"/>
+              <a:t>Refactoring Coding Exercise</a:t>
+            </a:r>
+          </a:p>
+        </p:txBody>
+      </p:sp>
+      <p:sp>
+        <p:nvSpPr>
+          <p:cNvPr id="3" name="Content Placeholder 2">
+            <a:extLst>
+              <a:ext uri="{FF2B5EF4-FFF2-40B4-BE49-F238E27FC236}">
+                <a16:creationId xmlns:a16="http://schemas.microsoft.com/office/drawing/2014/main" id="{21D05192-45A4-42B2-8658-26781BA64DD6}"/>
+              </a:ext>
+            </a:extLst>
+          </p:cNvPr>
+          <p:cNvSpPr>
+            <a:spLocks noGrp="1"/>
+          </p:cNvSpPr>
+          <p:nvPr>
+            <p:ph idx="1"/>
+          </p:nvPr>
+        </p:nvSpPr>
+        <p:spPr>
+          <a:xfrm>
+            <a:off x="478022" y="3361097"/>
+            <a:ext cx="7886700" cy="893136"/>
+          </a:xfrm>
+        </p:spPr>
+        <p:txBody>
+          <a:bodyPr vert="horz" lIns="91440" tIns="45720" rIns="91440" bIns="45720" rtlCol="0" anchor="t">
+            <a:normAutofit/>
+          </a:bodyPr>
+          <a:lstStyle/>
+          <a:p>
+            <a:pPr marL="0" indent="0">
+              <a:buNone/>
+            </a:pPr>
+            <a:r>
+              <a:rPr lang="en-US" dirty="0">
+                <a:cs typeface="Calibri"/>
+              </a:rPr>
+              <a:t>This design does not function.  There is no (sane) way to look up a book for printing a report or for associating with a Kid.</a:t>
+            </a:r>
+          </a:p>
+          <a:p>
+            <a:pPr marL="0" indent="0">
+              <a:buNone/>
+            </a:pPr>
+            <a:endParaRPr lang="en-US" dirty="0">
+              <a:cs typeface="Calibri"/>
+            </a:endParaRPr>
+          </a:p>
+          <a:p>
+            <a:pPr marL="0" indent="0">
+              <a:buNone/>
+            </a:pPr>
+            <a:endParaRPr lang="en-US" dirty="0">
+              <a:cs typeface="Calibri"/>
+            </a:endParaRPr>
+          </a:p>
+          <a:p>
+            <a:pPr marL="0" indent="0">
+              <a:buNone/>
+            </a:pPr>
+            <a:endParaRPr lang="en-US" dirty="0">
+              <a:cs typeface="Calibri"/>
+            </a:endParaRPr>
+          </a:p>
+          <a:p>
+            <a:pPr marL="0" indent="0">
+              <a:buNone/>
+            </a:pPr>
+            <a:endParaRPr lang="en-US" dirty="0">
+              <a:cs typeface="Calibri"/>
+            </a:endParaRPr>
+          </a:p>
+        </p:txBody>
+      </p:sp>
+      <p:pic>
+        <p:nvPicPr>
+          <p:cNvPr id="5" name="Picture 2" descr="A screenshot of a cell phone&#10;&#10;Description generated with very high confidence">
+            <a:extLst>
+              <a:ext uri="{FF2B5EF4-FFF2-40B4-BE49-F238E27FC236}">
+                <a16:creationId xmlns:a16="http://schemas.microsoft.com/office/drawing/2014/main" id="{7D4179C7-A4B5-4E8F-8CD3-B10ECA74599C}"/>
+              </a:ext>
+            </a:extLst>
+          </p:cNvPr>
+          <p:cNvPicPr>
+            <a:picLocks noChangeAspect="1"/>
+          </p:cNvPicPr>
+          <p:nvPr/>
+        </p:nvPicPr>
+        <p:blipFill>
+          <a:blip r:embed="rId3"/>
+          <a:stretch>
+            <a:fillRect/>
+          </a:stretch>
+        </p:blipFill>
+        <p:spPr>
+          <a:xfrm>
+            <a:off x="327394" y="1113765"/>
+            <a:ext cx="8187955" cy="1746397"/>
+          </a:xfrm>
+          <a:prstGeom prst="rect">
+            <a:avLst/>
+          </a:prstGeom>
+        </p:spPr>
+      </p:pic>
+      <p:grpSp>
+        <p:nvGrpSpPr>
+          <p:cNvPr id="12" name="Group 11">
+            <a:extLst>
+              <a:ext uri="{FF2B5EF4-FFF2-40B4-BE49-F238E27FC236}">
+                <a16:creationId xmlns:a16="http://schemas.microsoft.com/office/drawing/2014/main" id="{1D286AD0-3187-3E5B-473B-B8A775820A12}"/>
+              </a:ext>
+            </a:extLst>
+          </p:cNvPr>
+          <p:cNvGrpSpPr/>
+          <p:nvPr/>
+        </p:nvGrpSpPr>
+        <p:grpSpPr>
+          <a:xfrm>
+            <a:off x="650067" y="2517143"/>
+            <a:ext cx="6815160" cy="1847880"/>
+            <a:chOff x="788491" y="1978364"/>
+            <a:chExt cx="6815160" cy="1847880"/>
+          </a:xfrm>
+        </p:grpSpPr>
+        <mc:AlternateContent xmlns:mc="http://schemas.openxmlformats.org/markup-compatibility/2006" xmlns:p14="http://schemas.microsoft.com/office/powerpoint/2010/main">
+          <mc:Choice Requires="p14">
+            <p:contentPart p14:bwMode="auto" r:id="rId4">
+              <p14:nvContentPartPr>
+                <p14:cNvPr id="6" name="Ink 5">
+                  <a:extLst>
+                    <a:ext uri="{FF2B5EF4-FFF2-40B4-BE49-F238E27FC236}">
+                      <a16:creationId xmlns:a16="http://schemas.microsoft.com/office/drawing/2014/main" id="{7E4B21E7-9279-1200-894E-9739F4C5E8BA}"/>
+                    </a:ext>
+                  </a:extLst>
+                </p14:cNvPr>
+                <p14:cNvContentPartPr/>
+                <p14:nvPr/>
+              </p14:nvContentPartPr>
+              <p14:xfrm>
+                <a:off x="788491" y="1978364"/>
+                <a:ext cx="3058200" cy="10080"/>
+              </p14:xfrm>
+            </p:contentPart>
+          </mc:Choice>
+          <mc:Fallback xmlns="">
+            <p:pic>
+              <p:nvPicPr>
+                <p:cNvPr id="6" name="Ink 5">
+                  <a:extLst>
+                    <a:ext uri="{FF2B5EF4-FFF2-40B4-BE49-F238E27FC236}">
+                      <a16:creationId xmlns:a16="http://schemas.microsoft.com/office/drawing/2014/main" id="{7E4B21E7-9279-1200-894E-9739F4C5E8BA}"/>
+                    </a:ext>
+                  </a:extLst>
+                </p:cNvPr>
+                <p:cNvPicPr/>
+                <p:nvPr/>
+              </p:nvPicPr>
+              <p:blipFill>
+                <a:blip r:embed="rId5"/>
+                <a:stretch>
+                  <a:fillRect/>
+                </a:stretch>
+              </p:blipFill>
+              <p:spPr>
+                <a:xfrm>
+                  <a:off x="779851" y="1969364"/>
+                  <a:ext cx="3075840" cy="27720"/>
+                </a:xfrm>
+                <a:prstGeom prst="rect">
+                  <a:avLst/>
+                </a:prstGeom>
+              </p:spPr>
+            </p:pic>
+          </mc:Fallback>
+        </mc:AlternateContent>
+        <mc:AlternateContent xmlns:mc="http://schemas.openxmlformats.org/markup-compatibility/2006" xmlns:p14="http://schemas.microsoft.com/office/powerpoint/2010/main">
+          <mc:Choice Requires="p14">
+            <p:contentPart p14:bwMode="auto" r:id="rId6">
+              <p14:nvContentPartPr>
+                <p14:cNvPr id="7" name="Ink 6">
+                  <a:extLst>
+                    <a:ext uri="{FF2B5EF4-FFF2-40B4-BE49-F238E27FC236}">
+                      <a16:creationId xmlns:a16="http://schemas.microsoft.com/office/drawing/2014/main" id="{D576420D-FA70-4FA7-314E-8B73E761355F}"/>
+                    </a:ext>
+                  </a:extLst>
+                </p14:cNvPr>
+                <p14:cNvContentPartPr/>
+                <p14:nvPr/>
+              </p14:nvContentPartPr>
+              <p14:xfrm>
+                <a:off x="3745891" y="1979444"/>
+                <a:ext cx="332280" cy="360"/>
+              </p14:xfrm>
+            </p:contentPart>
+          </mc:Choice>
+          <mc:Fallback xmlns="">
+            <p:pic>
+              <p:nvPicPr>
+                <p:cNvPr id="7" name="Ink 6">
+                  <a:extLst>
+                    <a:ext uri="{FF2B5EF4-FFF2-40B4-BE49-F238E27FC236}">
+                      <a16:creationId xmlns:a16="http://schemas.microsoft.com/office/drawing/2014/main" id="{D576420D-FA70-4FA7-314E-8B73E761355F}"/>
+                    </a:ext>
+                  </a:extLst>
+                </p:cNvPr>
+                <p:cNvPicPr/>
+                <p:nvPr/>
+              </p:nvPicPr>
+              <p:blipFill>
+                <a:blip r:embed="rId7"/>
+                <a:stretch>
+                  <a:fillRect/>
+                </a:stretch>
+              </p:blipFill>
+              <p:spPr>
+                <a:xfrm>
+                  <a:off x="3737251" y="1970444"/>
+                  <a:ext cx="349920" cy="18000"/>
+                </a:xfrm>
+                <a:prstGeom prst="rect">
+                  <a:avLst/>
+                </a:prstGeom>
+              </p:spPr>
+            </p:pic>
+          </mc:Fallback>
+        </mc:AlternateContent>
+        <mc:AlternateContent xmlns:mc="http://schemas.openxmlformats.org/markup-compatibility/2006" xmlns:p14="http://schemas.microsoft.com/office/powerpoint/2010/main">
+          <mc:Choice Requires="p14">
+            <p:contentPart p14:bwMode="auto" r:id="rId8">
+              <p14:nvContentPartPr>
+                <p14:cNvPr id="9" name="Ink 8">
+                  <a:extLst>
+                    <a:ext uri="{FF2B5EF4-FFF2-40B4-BE49-F238E27FC236}">
+                      <a16:creationId xmlns:a16="http://schemas.microsoft.com/office/drawing/2014/main" id="{AA7B4362-6279-FD70-F363-C2A8BBF79C0A}"/>
+                    </a:ext>
+                  </a:extLst>
+                </p14:cNvPr>
+                <p14:cNvContentPartPr/>
+                <p14:nvPr/>
+              </p14:nvContentPartPr>
+              <p14:xfrm>
+                <a:off x="4225411" y="2041364"/>
+                <a:ext cx="3378240" cy="729360"/>
+              </p14:xfrm>
+            </p:contentPart>
+          </mc:Choice>
+          <mc:Fallback xmlns="">
+            <p:pic>
+              <p:nvPicPr>
+                <p:cNvPr id="9" name="Ink 8">
+                  <a:extLst>
+                    <a:ext uri="{FF2B5EF4-FFF2-40B4-BE49-F238E27FC236}">
+                      <a16:creationId xmlns:a16="http://schemas.microsoft.com/office/drawing/2014/main" id="{AA7B4362-6279-FD70-F363-C2A8BBF79C0A}"/>
+                    </a:ext>
+                  </a:extLst>
+                </p:cNvPr>
+                <p:cNvPicPr/>
+                <p:nvPr/>
+              </p:nvPicPr>
+              <p:blipFill>
+                <a:blip r:embed="rId9"/>
+                <a:stretch>
+                  <a:fillRect/>
+                </a:stretch>
+              </p:blipFill>
+              <p:spPr>
+                <a:xfrm>
+                  <a:off x="4216411" y="2032724"/>
+                  <a:ext cx="3395880" cy="747000"/>
+                </a:xfrm>
+                <a:prstGeom prst="rect">
+                  <a:avLst/>
+                </a:prstGeom>
+              </p:spPr>
+            </p:pic>
+          </mc:Fallback>
+        </mc:AlternateContent>
+        <mc:AlternateContent xmlns:mc="http://schemas.openxmlformats.org/markup-compatibility/2006" xmlns:p14="http://schemas.microsoft.com/office/powerpoint/2010/main">
+          <mc:Choice Requires="p14">
+            <p:contentPart p14:bwMode="auto" r:id="rId10">
+              <p14:nvContentPartPr>
+                <p14:cNvPr id="10" name="Ink 9">
+                  <a:extLst>
+                    <a:ext uri="{FF2B5EF4-FFF2-40B4-BE49-F238E27FC236}">
+                      <a16:creationId xmlns:a16="http://schemas.microsoft.com/office/drawing/2014/main" id="{B6A900D1-591C-BB22-1641-993A3F4EA4E7}"/>
+                    </a:ext>
+                  </a:extLst>
+                </p14:cNvPr>
+                <p14:cNvContentPartPr/>
+                <p14:nvPr/>
+              </p14:nvContentPartPr>
+              <p14:xfrm>
+                <a:off x="6800131" y="2899244"/>
+                <a:ext cx="408600" cy="707040"/>
+              </p14:xfrm>
+            </p:contentPart>
+          </mc:Choice>
+          <mc:Fallback xmlns="">
+            <p:pic>
+              <p:nvPicPr>
+                <p:cNvPr id="10" name="Ink 9">
+                  <a:extLst>
+                    <a:ext uri="{FF2B5EF4-FFF2-40B4-BE49-F238E27FC236}">
+                      <a16:creationId xmlns:a16="http://schemas.microsoft.com/office/drawing/2014/main" id="{B6A900D1-591C-BB22-1641-993A3F4EA4E7}"/>
+                    </a:ext>
+                  </a:extLst>
+                </p:cNvPr>
+                <p:cNvPicPr/>
+                <p:nvPr/>
+              </p:nvPicPr>
+              <p:blipFill>
+                <a:blip r:embed="rId11"/>
+                <a:stretch>
+                  <a:fillRect/>
+                </a:stretch>
+              </p:blipFill>
+              <p:spPr>
+                <a:xfrm>
+                  <a:off x="6791131" y="2890604"/>
+                  <a:ext cx="426240" cy="724680"/>
+                </a:xfrm>
+                <a:prstGeom prst="rect">
+                  <a:avLst/>
+                </a:prstGeom>
+              </p:spPr>
+            </p:pic>
+          </mc:Fallback>
+        </mc:AlternateContent>
+        <mc:AlternateContent xmlns:mc="http://schemas.openxmlformats.org/markup-compatibility/2006" xmlns:p14="http://schemas.microsoft.com/office/powerpoint/2010/main">
+          <mc:Choice Requires="p14">
+            <p:contentPart p14:bwMode="auto" r:id="rId12">
+              <p14:nvContentPartPr>
+                <p14:cNvPr id="11" name="Ink 10">
+                  <a:extLst>
+                    <a:ext uri="{FF2B5EF4-FFF2-40B4-BE49-F238E27FC236}">
+                      <a16:creationId xmlns:a16="http://schemas.microsoft.com/office/drawing/2014/main" id="{03987792-799C-E24B-02C8-1BCECC649CE0}"/>
+                    </a:ext>
+                  </a:extLst>
+                </p14:cNvPr>
+                <p14:cNvContentPartPr/>
+                <p14:nvPr/>
+              </p14:nvContentPartPr>
+              <p14:xfrm>
+                <a:off x="7085971" y="3796724"/>
+                <a:ext cx="51840" cy="29520"/>
+              </p14:xfrm>
+            </p:contentPart>
+          </mc:Choice>
+          <mc:Fallback xmlns="">
+            <p:pic>
+              <p:nvPicPr>
+                <p:cNvPr id="11" name="Ink 10">
+                  <a:extLst>
+                    <a:ext uri="{FF2B5EF4-FFF2-40B4-BE49-F238E27FC236}">
+                      <a16:creationId xmlns:a16="http://schemas.microsoft.com/office/drawing/2014/main" id="{03987792-799C-E24B-02C8-1BCECC649CE0}"/>
+                    </a:ext>
+                  </a:extLst>
+                </p:cNvPr>
+                <p:cNvPicPr/>
+                <p:nvPr/>
+              </p:nvPicPr>
+              <p:blipFill>
+                <a:blip r:embed="rId13"/>
+                <a:stretch>
+                  <a:fillRect/>
+                </a:stretch>
+              </p:blipFill>
+              <p:spPr>
+                <a:xfrm>
+                  <a:off x="7076971" y="3788084"/>
+                  <a:ext cx="69480" cy="47160"/>
+                </a:xfrm>
+                <a:prstGeom prst="rect">
+                  <a:avLst/>
+                </a:prstGeom>
+              </p:spPr>
+            </p:pic>
+          </mc:Fallback>
+        </mc:AlternateContent>
+      </p:grpSp>
+      <p:pic>
+        <p:nvPicPr>
+          <p:cNvPr id="8" name="Picture 7">
+            <a:extLst>
+              <a:ext uri="{FF2B5EF4-FFF2-40B4-BE49-F238E27FC236}">
+                <a16:creationId xmlns:a16="http://schemas.microsoft.com/office/drawing/2014/main" id="{3020DD70-C1ED-919A-573C-43933A3F91F0}"/>
+              </a:ext>
+            </a:extLst>
+          </p:cNvPr>
+          <p:cNvPicPr>
+            <a:picLocks noChangeAspect="1"/>
+          </p:cNvPicPr>
+          <p:nvPr/>
+        </p:nvPicPr>
+        <p:blipFill>
+          <a:blip r:embed="rId14"/>
+          <a:stretch>
+            <a:fillRect/>
+          </a:stretch>
+        </p:blipFill>
+        <p:spPr>
+          <a:xfrm>
+            <a:off x="5055013" y="4702061"/>
+            <a:ext cx="4030588" cy="1868406"/>
+          </a:xfrm>
+          <a:prstGeom prst="rect">
+            <a:avLst/>
+          </a:prstGeom>
+        </p:spPr>
+      </p:pic>
+      <p:sp>
+        <p:nvSpPr>
+          <p:cNvPr id="4" name="Content Placeholder 2">
+            <a:extLst>
+              <a:ext uri="{FF2B5EF4-FFF2-40B4-BE49-F238E27FC236}">
+                <a16:creationId xmlns:a16="http://schemas.microsoft.com/office/drawing/2014/main" id="{A2EBE8AC-63E3-3911-77C6-AF30415A0CBE}"/>
+              </a:ext>
+            </a:extLst>
+          </p:cNvPr>
+          <p:cNvSpPr txBox="1">
+            <a:spLocks/>
+          </p:cNvSpPr>
+          <p:nvPr/>
+        </p:nvSpPr>
+        <p:spPr>
+          <a:xfrm>
+            <a:off x="550911" y="4261378"/>
+            <a:ext cx="3256511" cy="893136"/>
+          </a:xfrm>
+          <a:prstGeom prst="rect">
+            <a:avLst/>
+          </a:prstGeom>
+        </p:spPr>
+        <p:txBody>
+          <a:bodyPr vert="horz" lIns="91440" tIns="45720" rIns="91440" bIns="45720" rtlCol="0" anchor="t">
+            <a:normAutofit fontScale="92500"/>
+          </a:bodyPr>
+          <a:lstStyle>
+            <a:lvl1pPr marL="171450" indent="-171450" algn="l" defTabSz="685800" rtl="0" eaLnBrk="1" latinLnBrk="0" hangingPunct="1">
+              <a:lnSpc>
+                <a:spcPct val="90000"/>
+              </a:lnSpc>
+              <a:spcBef>
+                <a:spcPts val="750"/>
+              </a:spcBef>
+              <a:buFont typeface="Arial" panose="020B0604020202020204" pitchFamily="34" charset="0"/>
+              <a:buChar char="•"/>
+              <a:defRPr sz="2100" kern="1200">
+                <a:solidFill>
+                  <a:schemeClr val="tx1"/>
+                </a:solidFill>
+                <a:latin typeface="+mn-lt"/>
+                <a:ea typeface="+mn-ea"/>
+                <a:cs typeface="+mn-cs"/>
+              </a:defRPr>
+            </a:lvl1pPr>
+            <a:lvl2pPr marL="514350" indent="-171450" algn="l" defTabSz="685800" rtl="0" eaLnBrk="1" latinLnBrk="0" hangingPunct="1">
+              <a:lnSpc>
+                <a:spcPct val="90000"/>
+              </a:lnSpc>
+              <a:spcBef>
+                <a:spcPts val="375"/>
+              </a:spcBef>
+              <a:buFont typeface="Arial" panose="020B0604020202020204" pitchFamily="34" charset="0"/>
+              <a:buChar char="•"/>
+              <a:defRPr sz="1800" kern="1200">
+                <a:solidFill>
+                  <a:schemeClr val="tx1"/>
+                </a:solidFill>
+                <a:latin typeface="+mn-lt"/>
+                <a:ea typeface="+mn-ea"/>
+                <a:cs typeface="+mn-cs"/>
+              </a:defRPr>
+            </a:lvl2pPr>
+            <a:lvl3pPr marL="857250" indent="-171450" algn="l" defTabSz="685800" rtl="0" eaLnBrk="1" latinLnBrk="0" hangingPunct="1">
+              <a:lnSpc>
+                <a:spcPct val="90000"/>
+              </a:lnSpc>
+              <a:spcBef>
+                <a:spcPts val="375"/>
+              </a:spcBef>
+              <a:buFont typeface="Arial" panose="020B0604020202020204" pitchFamily="34" charset="0"/>
+              <a:buChar char="•"/>
+              <a:defRPr sz="1500" kern="1200">
+                <a:solidFill>
+                  <a:schemeClr val="tx1"/>
+                </a:solidFill>
+                <a:latin typeface="+mn-lt"/>
+                <a:ea typeface="+mn-ea"/>
+                <a:cs typeface="+mn-cs"/>
+              </a:defRPr>
+            </a:lvl3pPr>
+            <a:lvl4pPr marL="1200150" indent="-171450" algn="l" defTabSz="685800" rtl="0" eaLnBrk="1" latinLnBrk="0" hangingPunct="1">
+              <a:lnSpc>
+                <a:spcPct val="90000"/>
+              </a:lnSpc>
+              <a:spcBef>
+                <a:spcPts val="375"/>
+              </a:spcBef>
+              <a:buFont typeface="Arial" panose="020B0604020202020204" pitchFamily="34" charset="0"/>
+              <a:buChar char="•"/>
+              <a:defRPr sz="1350" kern="1200">
+                <a:solidFill>
+                  <a:schemeClr val="tx1"/>
+                </a:solidFill>
+                <a:latin typeface="+mn-lt"/>
+                <a:ea typeface="+mn-ea"/>
+                <a:cs typeface="+mn-cs"/>
+              </a:defRPr>
+            </a:lvl4pPr>
+            <a:lvl5pPr marL="1543050" indent="-171450" algn="l" defTabSz="685800" rtl="0" eaLnBrk="1" latinLnBrk="0" hangingPunct="1">
+              <a:lnSpc>
+                <a:spcPct val="90000"/>
+              </a:lnSpc>
+              <a:spcBef>
+                <a:spcPts val="375"/>
+              </a:spcBef>
+              <a:buFont typeface="Arial" panose="020B0604020202020204" pitchFamily="34" charset="0"/>
+              <a:buChar char="•"/>
+              <a:defRPr sz="1350" kern="1200">
+                <a:solidFill>
+                  <a:schemeClr val="tx1"/>
+                </a:solidFill>
+                <a:latin typeface="+mn-lt"/>
+                <a:ea typeface="+mn-ea"/>
+                <a:cs typeface="+mn-cs"/>
+              </a:defRPr>
+            </a:lvl5pPr>
+            <a:lvl6pPr marL="1885950" indent="-171450" algn="l" defTabSz="685800" rtl="0" eaLnBrk="1" latinLnBrk="0" hangingPunct="1">
+              <a:lnSpc>
+                <a:spcPct val="90000"/>
+              </a:lnSpc>
+              <a:spcBef>
+                <a:spcPts val="375"/>
+              </a:spcBef>
+              <a:buFont typeface="Arial" panose="020B0604020202020204" pitchFamily="34" charset="0"/>
+              <a:buChar char="•"/>
+              <a:defRPr sz="1350" kern="1200">
+                <a:solidFill>
+                  <a:schemeClr val="tx1"/>
+                </a:solidFill>
+                <a:latin typeface="+mn-lt"/>
+                <a:ea typeface="+mn-ea"/>
+                <a:cs typeface="+mn-cs"/>
+              </a:defRPr>
+            </a:lvl6pPr>
+            <a:lvl7pPr marL="2228850" indent="-171450" algn="l" defTabSz="685800" rtl="0" eaLnBrk="1" latinLnBrk="0" hangingPunct="1">
+              <a:lnSpc>
+                <a:spcPct val="90000"/>
+              </a:lnSpc>
+              <a:spcBef>
+                <a:spcPts val="375"/>
+              </a:spcBef>
+              <a:buFont typeface="Arial" panose="020B0604020202020204" pitchFamily="34" charset="0"/>
+              <a:buChar char="•"/>
+              <a:defRPr sz="1350" kern="1200">
+                <a:solidFill>
+                  <a:schemeClr val="tx1"/>
+                </a:solidFill>
+                <a:latin typeface="+mn-lt"/>
+                <a:ea typeface="+mn-ea"/>
+                <a:cs typeface="+mn-cs"/>
+              </a:defRPr>
+            </a:lvl7pPr>
+            <a:lvl8pPr marL="2571750" indent="-171450" algn="l" defTabSz="685800" rtl="0" eaLnBrk="1" latinLnBrk="0" hangingPunct="1">
+              <a:lnSpc>
+                <a:spcPct val="90000"/>
+              </a:lnSpc>
+              <a:spcBef>
+                <a:spcPts val="375"/>
+              </a:spcBef>
+              <a:buFont typeface="Arial" panose="020B0604020202020204" pitchFamily="34" charset="0"/>
+              <a:buChar char="•"/>
+              <a:defRPr sz="1350" kern="1200">
+                <a:solidFill>
+                  <a:schemeClr val="tx1"/>
+                </a:solidFill>
+                <a:latin typeface="+mn-lt"/>
+                <a:ea typeface="+mn-ea"/>
+                <a:cs typeface="+mn-cs"/>
+              </a:defRPr>
+            </a:lvl8pPr>
+            <a:lvl9pPr marL="2914650" indent="-171450" algn="l" defTabSz="685800" rtl="0" eaLnBrk="1" latinLnBrk="0" hangingPunct="1">
+              <a:lnSpc>
+                <a:spcPct val="90000"/>
+              </a:lnSpc>
+              <a:spcBef>
+                <a:spcPts val="375"/>
+              </a:spcBef>
+              <a:buFont typeface="Arial" panose="020B0604020202020204" pitchFamily="34" charset="0"/>
+              <a:buChar char="•"/>
+              <a:defRPr sz="1350" kern="1200">
+                <a:solidFill>
+                  <a:schemeClr val="tx1"/>
+                </a:solidFill>
+                <a:latin typeface="+mn-lt"/>
+                <a:ea typeface="+mn-ea"/>
+                <a:cs typeface="+mn-cs"/>
+              </a:defRPr>
+            </a:lvl9pPr>
+          </a:lstStyle>
+          <a:p>
+            <a:pPr marL="0" indent="0">
+              <a:buFont typeface="Arial" panose="020B0604020202020204" pitchFamily="34" charset="0"/>
+              <a:buNone/>
+            </a:pPr>
+            <a:r>
+              <a:rPr lang="en-US" dirty="0">
+                <a:cs typeface="Calibri"/>
+              </a:rPr>
+              <a:t>We gave you this starting code</a:t>
+            </a:r>
+          </a:p>
+          <a:p>
+            <a:pPr marL="0" indent="0">
+              <a:buFont typeface="Arial" panose="020B0604020202020204" pitchFamily="34" charset="0"/>
+              <a:buNone/>
+            </a:pPr>
+            <a:r>
+              <a:rPr lang="en-US" dirty="0">
+                <a:cs typeface="Calibri"/>
+              </a:rPr>
+              <a:t>Refactor it to improve it!</a:t>
+            </a:r>
+          </a:p>
+        </p:txBody>
+      </p:sp>
+      <p:pic>
+        <p:nvPicPr>
+          <p:cNvPr id="13" name="Picture 4" descr="A screenshot of a cell phone&#10;&#10;Description generated with very high confidence">
+            <a:extLst>
+              <a:ext uri="{FF2B5EF4-FFF2-40B4-BE49-F238E27FC236}">
+                <a16:creationId xmlns:a16="http://schemas.microsoft.com/office/drawing/2014/main" id="{5D4F31F5-6233-14B5-927B-B7BC02C14DC6}"/>
+              </a:ext>
+            </a:extLst>
+          </p:cNvPr>
+          <p:cNvPicPr>
+            <a:picLocks noChangeAspect="1"/>
+          </p:cNvPicPr>
+          <p:nvPr/>
+        </p:nvPicPr>
+        <p:blipFill>
+          <a:blip r:embed="rId15"/>
+          <a:stretch>
+            <a:fillRect/>
+          </a:stretch>
+        </p:blipFill>
+        <p:spPr>
+          <a:xfrm>
+            <a:off x="48864" y="5105289"/>
+            <a:ext cx="5188961" cy="1512704"/>
+          </a:xfrm>
+          <a:prstGeom prst="rect">
+            <a:avLst/>
+          </a:prstGeom>
+        </p:spPr>
+      </p:pic>
+      <p:sp>
+        <p:nvSpPr>
+          <p:cNvPr id="14" name="TextBox 13">
+            <a:extLst>
+              <a:ext uri="{FF2B5EF4-FFF2-40B4-BE49-F238E27FC236}">
+                <a16:creationId xmlns:a16="http://schemas.microsoft.com/office/drawing/2014/main" id="{376FDFF6-9C8B-FDBB-137B-1BB59C886F65}"/>
+              </a:ext>
+            </a:extLst>
+          </p:cNvPr>
+          <p:cNvSpPr txBox="1"/>
+          <p:nvPr/>
+        </p:nvSpPr>
+        <p:spPr>
+          <a:xfrm>
+            <a:off x="2465392" y="4969848"/>
+            <a:ext cx="2485749" cy="369332"/>
+          </a:xfrm>
+          <a:prstGeom prst="rect">
+            <a:avLst/>
+          </a:prstGeom>
+          <a:noFill/>
+        </p:spPr>
+        <p:txBody>
+          <a:bodyPr wrap="square" rtlCol="0">
+            <a:spAutoFit/>
+          </a:bodyPr>
+          <a:lstStyle/>
+          <a:p>
+            <a:r>
+              <a:rPr lang="en-US" dirty="0">
+                <a:solidFill>
+                  <a:srgbClr val="FF0000"/>
+                </a:solidFill>
+              </a:rPr>
+              <a:t>#1. Store list of Books</a:t>
+            </a:r>
+          </a:p>
+        </p:txBody>
+      </p:sp>
+      <p:sp>
+        <p:nvSpPr>
+          <p:cNvPr id="15" name="TextBox 14">
+            <a:extLst>
+              <a:ext uri="{FF2B5EF4-FFF2-40B4-BE49-F238E27FC236}">
+                <a16:creationId xmlns:a16="http://schemas.microsoft.com/office/drawing/2014/main" id="{34F20A58-49A8-F7B1-FD62-B00B9448F85B}"/>
+              </a:ext>
+            </a:extLst>
+          </p:cNvPr>
+          <p:cNvSpPr txBox="1"/>
+          <p:nvPr/>
+        </p:nvSpPr>
+        <p:spPr>
+          <a:xfrm>
+            <a:off x="48864" y="6433327"/>
+            <a:ext cx="3758558" cy="369332"/>
+          </a:xfrm>
+          <a:prstGeom prst="rect">
+            <a:avLst/>
+          </a:prstGeom>
+          <a:noFill/>
+        </p:spPr>
+        <p:txBody>
+          <a:bodyPr wrap="square" rtlCol="0">
+            <a:spAutoFit/>
+          </a:bodyPr>
+          <a:lstStyle/>
+          <a:p>
+            <a:r>
+              <a:rPr lang="en-US" dirty="0">
+                <a:solidFill>
+                  <a:srgbClr val="FF0000"/>
+                </a:solidFill>
+              </a:rPr>
+              <a:t>#2. Update methods in </a:t>
+            </a:r>
+            <a:r>
+              <a:rPr lang="en-US" dirty="0" err="1">
+                <a:solidFill>
+                  <a:srgbClr val="FF0000"/>
+                </a:solidFill>
+              </a:rPr>
+              <a:t>BookMain</a:t>
+            </a:r>
+            <a:endParaRPr lang="en-US" dirty="0">
+              <a:solidFill>
+                <a:srgbClr val="FF0000"/>
+              </a:solidFill>
+            </a:endParaRPr>
+          </a:p>
+        </p:txBody>
+      </p:sp>
+    </p:spTree>
+    <p:extLst>
+      <p:ext uri="{BB962C8B-B14F-4D97-AF65-F5344CB8AC3E}">
+        <p14:creationId xmlns:p14="http://schemas.microsoft.com/office/powerpoint/2010/main" val="3996316336"/>
+      </p:ext>
+    </p:extLst>
+  </p:cSld>
+  <p:clrMapOvr>
+    <a:masterClrMapping/>
+  </p:clrMapOvr>
+  <p:timing>
+    <p:tnLst>
+      <p:par>
+        <p:cTn id="1" dur="indefinite" restart="never" nodeType="tmRoot">
+          <p:childTnLst>
+            <p:seq concurrent="1" nextAc="seek">
+              <p:cTn id="2" dur="indefinite" nodeType="mainSeq">
+                <p:childTnLst>
+                  <p:par>
+                    <p:cTn id="3" fill="hold">
+                      <p:stCondLst>
+                        <p:cond delay="indefinite"/>
+                      </p:stCondLst>
+                      <p:childTnLst>
+                        <p:par>
+                          <p:cTn id="4" fill="hold">
+                            <p:stCondLst>
+                              <p:cond delay="0"/>
+                            </p:stCondLst>
+                            <p:childTnLst>
+                              <p:par>
+                                <p:cTn id="5" presetID="1" presetClass="entr" presetSubtype="0" fill="hold" nodeType="clickEffect">
+                                  <p:stCondLst>
+                                    <p:cond delay="0"/>
+                                  </p:stCondLst>
+                                  <p:childTnLst>
+                                    <p:set>
+                                      <p:cBhvr>
+                                        <p:cTn id="6" dur="1" fill="hold">
+                                          <p:stCondLst>
+                                            <p:cond delay="0"/>
+                                          </p:stCondLst>
+                                        </p:cTn>
+                                        <p:tgtEl>
+                                          <p:spTgt spid="12"/>
+                                        </p:tgtEl>
+                                        <p:attrNameLst>
+                                          <p:attrName>style.visibility</p:attrName>
+                                        </p:attrNameLst>
+                                      </p:cBhvr>
+                                      <p:to>
+                                        <p:strVal val="visible"/>
+                                      </p:to>
+                                    </p:set>
+                                  </p:childTnLst>
+                                </p:cTn>
+                              </p:par>
+                            </p:childTnLst>
+                          </p:cTn>
+                        </p:par>
+                      </p:childTnLst>
+                    </p:cTn>
+                  </p:par>
+                </p:childTnLst>
+              </p:cTn>
+              <p:prevCondLst>
+                <p:cond evt="onPrev" delay="0">
+                  <p:tgtEl>
+                    <p:sldTgt/>
+                  </p:tgtEl>
+                </p:cond>
+              </p:prevCondLst>
+              <p:nextCondLst>
+                <p:cond evt="onNext" delay="0">
+                  <p:tgtEl>
+                    <p:sldTgt/>
+                  </p:tgtEl>
+                </p:cond>
+              </p:nextCondLst>
+            </p:seq>
+          </p:childTnLst>
+        </p:cTn>
+      </p:par>
+    </p:tnLst>
+  </p:timing>
+</p:sld>
+</file>
+
+<file path=ppt/slides/slide34.xml><?xml version="1.0" encoding="utf-8"?>
+<p:sld xmlns:a="http://schemas.openxmlformats.org/drawingml/2006/main" xmlns:r="http://schemas.openxmlformats.org/officeDocument/2006/relationships" xmlns:p="http://schemas.openxmlformats.org/presentationml/2006/main">
+  <p:cSld>
+    <p:spTree>
+      <p:nvGrpSpPr>
+        <p:cNvPr id="1" name=""/>
+        <p:cNvGrpSpPr/>
+        <p:nvPr/>
+      </p:nvGrpSpPr>
+      <p:grpSpPr>
+        <a:xfrm>
+          <a:off x="0" y="0"/>
+          <a:ext cx="0" cy="0"/>
+          <a:chOff x="0" y="0"/>
+          <a:chExt cx="0" cy="0"/>
+        </a:xfrm>
+      </p:grpSpPr>
+      <p:sp>
+        <p:nvSpPr>
+          <p:cNvPr id="2" name="Title 1">
+            <a:extLst>
+              <a:ext uri="{FF2B5EF4-FFF2-40B4-BE49-F238E27FC236}">
+                <a16:creationId xmlns:a16="http://schemas.microsoft.com/office/drawing/2014/main" id="{2FBF9447-079F-1C8A-F452-A0BA4E8D74D3}"/>
+              </a:ext>
+            </a:extLst>
+          </p:cNvPr>
+          <p:cNvSpPr>
+            <a:spLocks noGrp="1"/>
+          </p:cNvSpPr>
+          <p:nvPr>
+            <p:ph type="title"/>
+          </p:nvPr>
+        </p:nvSpPr>
+        <p:spPr/>
+        <p:txBody>
+          <a:bodyPr/>
+          <a:lstStyle/>
+          <a:p>
+            <a:r>
+              <a:rPr lang="en-US" dirty="0"/>
+              <a:t>How bad is it? To print a book report…</a:t>
+            </a:r>
+          </a:p>
+        </p:txBody>
+      </p:sp>
+      <p:pic>
+        <p:nvPicPr>
+          <p:cNvPr id="5" name="Picture 4">
+            <a:extLst>
+              <a:ext uri="{FF2B5EF4-FFF2-40B4-BE49-F238E27FC236}">
+                <a16:creationId xmlns:a16="http://schemas.microsoft.com/office/drawing/2014/main" id="{5C81CE06-43C2-37B2-1EB2-BD93E8FCD826}"/>
+              </a:ext>
+            </a:extLst>
+          </p:cNvPr>
+          <p:cNvPicPr>
+            <a:picLocks noChangeAspect="1"/>
+          </p:cNvPicPr>
+          <p:nvPr/>
+        </p:nvPicPr>
+        <p:blipFill>
+          <a:blip r:embed="rId2"/>
+          <a:stretch>
+            <a:fillRect/>
+          </a:stretch>
+        </p:blipFill>
+        <p:spPr>
+          <a:xfrm>
+            <a:off x="561746" y="1871062"/>
+            <a:ext cx="5925377" cy="4305901"/>
+          </a:xfrm>
+          <a:prstGeom prst="rect">
+            <a:avLst/>
+          </a:prstGeom>
+        </p:spPr>
+      </p:pic>
+    </p:spTree>
+    <p:extLst>
+      <p:ext uri="{BB962C8B-B14F-4D97-AF65-F5344CB8AC3E}">
+        <p14:creationId xmlns:p14="http://schemas.microsoft.com/office/powerpoint/2010/main" val="3931428038"/>
       </p:ext>
     </p:extLst>
   </p:cSld>
@@ -23176,6 +24871,17 @@
 </file>
 
 <file path=customXml/item2.xml><?xml version="1.0" encoding="utf-8"?>
+<p:properties xmlns:p="http://schemas.microsoft.com/office/2006/metadata/properties" xmlns:xsi="http://www.w3.org/2001/XMLSchema-instance" xmlns:pc="http://schemas.microsoft.com/office/infopath/2007/PartnerControls">
+  <documentManagement>
+    <TaxCatchAll xmlns="820f9cb1-409d-4c4b-8197-1d4f7dd48124" xsi:nil="true"/>
+    <lcf76f155ced4ddcb4097134ff3c332f xmlns="08600313-7276-4ca7-b5d3-7d86193ee0ac">
+      <Terms xmlns="http://schemas.microsoft.com/office/infopath/2007/PartnerControls"/>
+    </lcf76f155ced4ddcb4097134ff3c332f>
+  </documentManagement>
+</p:properties>
+</file>
+
+<file path=customXml/item3.xml><?xml version="1.0" encoding="utf-8"?>
 <ct:contentTypeSchema xmlns:ct="http://schemas.microsoft.com/office/2006/metadata/contentType" xmlns:ma="http://schemas.microsoft.com/office/2006/metadata/properties/metaAttributes" ct:_="" ma:_="" ma:contentTypeName="Document" ma:contentTypeID="0x0101004285D81DBE5F5A448E892B34D6B8CF20" ma:contentTypeVersion="7" ma:contentTypeDescription="Create a new document." ma:contentTypeScope="" ma:versionID="5d1eb4e46a89551cacffd71f81775a5c">
   <xsd:schema xmlns:xsd="http://www.w3.org/2001/XMLSchema" xmlns:xs="http://www.w3.org/2001/XMLSchema" xmlns:p="http://schemas.microsoft.com/office/2006/metadata/properties" xmlns:ns2="08600313-7276-4ca7-b5d3-7d86193ee0ac" xmlns:ns3="820f9cb1-409d-4c4b-8197-1d4f7dd48124" targetNamespace="http://schemas.microsoft.com/office/2006/metadata/properties" ma:root="true" ma:fieldsID="88f943689c6eba50ac915d805157f594" ns2:_="" ns3:_="">
     <xsd:import namespace="08600313-7276-4ca7-b5d3-7d86193ee0ac"/>
@@ -23344,17 +25050,6 @@
 </ct:contentTypeSchema>
 </file>
 
-<file path=customXml/item3.xml><?xml version="1.0" encoding="utf-8"?>
-<p:properties xmlns:p="http://schemas.microsoft.com/office/2006/metadata/properties" xmlns:xsi="http://www.w3.org/2001/XMLSchema-instance" xmlns:pc="http://schemas.microsoft.com/office/infopath/2007/PartnerControls">
-  <documentManagement>
-    <TaxCatchAll xmlns="820f9cb1-409d-4c4b-8197-1d4f7dd48124" xsi:nil="true"/>
-    <lcf76f155ced4ddcb4097134ff3c332f xmlns="08600313-7276-4ca7-b5d3-7d86193ee0ac">
-      <Terms xmlns="http://schemas.microsoft.com/office/infopath/2007/PartnerControls"/>
-    </lcf76f155ced4ddcb4097134ff3c332f>
-  </documentManagement>
-</p:properties>
-</file>
-
 <file path=customXml/itemProps1.xml><?xml version="1.0" encoding="utf-8"?>
 <ds:datastoreItem xmlns:ds="http://schemas.openxmlformats.org/officeDocument/2006/customXml" ds:itemID="{06B0D7FD-3F15-4031-9B74-9BD0678C88D3}">
   <ds:schemaRefs>
@@ -23364,6 +25059,24 @@
 </file>
 
 <file path=customXml/itemProps2.xml><?xml version="1.0" encoding="utf-8"?>
+<ds:datastoreItem xmlns:ds="http://schemas.openxmlformats.org/officeDocument/2006/customXml" ds:itemID="{2F4CC81C-03FD-4D6F-AA26-1CFBF0EF6A42}">
+  <ds:schemaRefs>
+    <ds:schemaRef ds:uri="http://purl.org/dc/terms/"/>
+    <ds:schemaRef ds:uri="http://schemas.microsoft.com/office/2006/documentManagement/types"/>
+    <ds:schemaRef ds:uri="79ddb764-415a-4c38-83b7-908be6382bea"/>
+    <ds:schemaRef ds:uri="http://schemas.microsoft.com/office/infopath/2007/PartnerControls"/>
+    <ds:schemaRef ds:uri="http://purl.org/dc/elements/1.1/"/>
+    <ds:schemaRef ds:uri="http://schemas.microsoft.com/office/2006/metadata/properties"/>
+    <ds:schemaRef ds:uri="http://schemas.openxmlformats.org/package/2006/metadata/core-properties"/>
+    <ds:schemaRef ds:uri="http://www.w3.org/XML/1998/namespace"/>
+    <ds:schemaRef ds:uri="http://purl.org/dc/dcmitype/"/>
+    <ds:schemaRef ds:uri="820f9cb1-409d-4c4b-8197-1d4f7dd48124"/>
+    <ds:schemaRef ds:uri="08600313-7276-4ca7-b5d3-7d86193ee0ac"/>
+  </ds:schemaRefs>
+</ds:datastoreItem>
+</file>
+
+<file path=customXml/itemProps3.xml><?xml version="1.0" encoding="utf-8"?>
 <ds:datastoreItem xmlns:ds="http://schemas.openxmlformats.org/officeDocument/2006/customXml" ds:itemID="{DFB705E6-53BA-46E9-9674-976275B28AE7}">
   <ds:schemaRefs>
     <ds:schemaRef ds:uri="http://schemas.microsoft.com/office/2006/metadata/contentType"/>
@@ -23380,22 +25093,4 @@
     <ds:schemaRef ds:uri="http://schemas.microsoft.com/internal/obd"/>
   </ds:schemaRefs>
 </ds:datastoreItem>
-</file>
-
-<file path=customXml/itemProps3.xml><?xml version="1.0" encoding="utf-8"?>
-<ds:datastoreItem xmlns:ds="http://schemas.openxmlformats.org/officeDocument/2006/customXml" ds:itemID="{2F4CC81C-03FD-4D6F-AA26-1CFBF0EF6A42}">
-  <ds:schemaRefs>
-    <ds:schemaRef ds:uri="http://purl.org/dc/terms/"/>
-    <ds:schemaRef ds:uri="http://schemas.microsoft.com/office/2006/documentManagement/types"/>
-    <ds:schemaRef ds:uri="79ddb764-415a-4c38-83b7-908be6382bea"/>
-    <ds:schemaRef ds:uri="http://schemas.microsoft.com/office/infopath/2007/PartnerControls"/>
-    <ds:schemaRef ds:uri="http://purl.org/dc/elements/1.1/"/>
-    <ds:schemaRef ds:uri="http://schemas.microsoft.com/office/2006/metadata/properties"/>
-    <ds:schemaRef ds:uri="http://schemas.openxmlformats.org/package/2006/metadata/core-properties"/>
-    <ds:schemaRef ds:uri="http://www.w3.org/XML/1998/namespace"/>
-    <ds:schemaRef ds:uri="http://purl.org/dc/dcmitype/"/>
-    <ds:schemaRef ds:uri="820f9cb1-409d-4c4b-8197-1d4f7dd48124"/>
-    <ds:schemaRef ds:uri="08600313-7276-4ca7-b5d3-7d86193ee0ac"/>
-  </ds:schemaRefs>
-</ds:datastoreItem>
 </file>